--- a/PowerPoint/FLUTTER_EP83.pptx
+++ b/PowerPoint/FLUTTER_EP83.pptx
@@ -5,7 +5,7 @@
     <p:sldMasterId id="2147483929" r:id="rId1"/>
   </p:sldMasterIdLst>
   <p:notesMasterIdLst>
-    <p:notesMasterId r:id="rId18"/>
+    <p:notesMasterId r:id="rId19"/>
   </p:notesMasterIdLst>
   <p:sldIdLst>
     <p:sldId id="256" r:id="rId2"/>
@@ -24,6 +24,7 @@
     <p:sldId id="308" r:id="rId15"/>
     <p:sldId id="301" r:id="rId16"/>
     <p:sldId id="303" r:id="rId17"/>
+    <p:sldId id="321" r:id="rId18"/>
   </p:sldIdLst>
   <p:sldSz cx="12192000" cy="6858000"/>
   <p:notesSz cx="6858000" cy="9144000"/>
@@ -7023,6 +7024,141 @@
 </p:sld>
 </file>
 
+<file path=ppt/slides/slide17.xml><?xml version="1.0" encoding="utf-8"?>
+<p:sld xmlns:a="http://schemas.openxmlformats.org/drawingml/2006/main" xmlns:r="http://schemas.openxmlformats.org/officeDocument/2006/relationships" xmlns:p="http://schemas.openxmlformats.org/presentationml/2006/main">
+  <p:cSld>
+    <p:spTree>
+      <p:nvGrpSpPr>
+        <p:cNvPr id="1" name=""/>
+        <p:cNvGrpSpPr/>
+        <p:nvPr/>
+      </p:nvGrpSpPr>
+      <p:grpSpPr>
+        <a:xfrm>
+          <a:off x="0" y="0"/>
+          <a:ext cx="0" cy="0"/>
+          <a:chOff x="0" y="0"/>
+          <a:chExt cx="0" cy="0"/>
+        </a:xfrm>
+      </p:grpSpPr>
+      <p:sp>
+        <p:nvSpPr>
+          <p:cNvPr id="2" name="Title 1"/>
+          <p:cNvSpPr>
+            <a:spLocks noGrp="1"/>
+          </p:cNvSpPr>
+          <p:nvPr>
+            <p:ph type="title"/>
+          </p:nvPr>
+        </p:nvSpPr>
+        <p:spPr/>
+        <p:txBody>
+          <a:bodyPr/>
+          <a:lstStyle/>
+          <a:p>
+            <a:r>
+              <a:rPr lang="en-US" smtClean="0"/>
+              <a:t>Final UI</a:t>
+            </a:r>
+            <a:endParaRPr lang="en-US"/>
+          </a:p>
+        </p:txBody>
+      </p:sp>
+      <p:pic>
+        <p:nvPicPr>
+          <p:cNvPr id="3" name="Picture 2"/>
+          <p:cNvPicPr>
+            <a:picLocks noChangeAspect="1"/>
+          </p:cNvPicPr>
+          <p:nvPr/>
+        </p:nvPicPr>
+        <p:blipFill>
+          <a:blip r:embed="rId2"/>
+          <a:stretch>
+            <a:fillRect/>
+          </a:stretch>
+        </p:blipFill>
+        <p:spPr>
+          <a:xfrm>
+            <a:off x="609600" y="965200"/>
+            <a:ext cx="2609235" cy="5459942"/>
+          </a:xfrm>
+          <a:prstGeom prst="roundRect">
+            <a:avLst>
+              <a:gd name="adj" fmla="val 8594"/>
+            </a:avLst>
+          </a:prstGeom>
+          <a:solidFill>
+            <a:srgbClr val="FFFFFF">
+              <a:shade val="85000"/>
+            </a:srgbClr>
+          </a:solidFill>
+          <a:ln>
+            <a:noFill/>
+          </a:ln>
+          <a:effectLst>
+            <a:reflection blurRad="12700" stA="38000" endPos="28000" dist="5000" dir="5400000" sy="-100000" algn="bl" rotWithShape="0"/>
+          </a:effectLst>
+        </p:spPr>
+      </p:pic>
+      <p:pic>
+        <p:nvPicPr>
+          <p:cNvPr id="5" name="Picture 4"/>
+          <p:cNvPicPr>
+            <a:picLocks noChangeAspect="1"/>
+          </p:cNvPicPr>
+          <p:nvPr/>
+        </p:nvPicPr>
+        <p:blipFill>
+          <a:blip r:embed="rId3"/>
+          <a:stretch>
+            <a:fillRect/>
+          </a:stretch>
+        </p:blipFill>
+        <p:spPr>
+          <a:xfrm>
+            <a:off x="3671168" y="1073150"/>
+            <a:ext cx="2565040" cy="5351992"/>
+          </a:xfrm>
+          <a:prstGeom prst="roundRect">
+            <a:avLst>
+              <a:gd name="adj" fmla="val 8594"/>
+            </a:avLst>
+          </a:prstGeom>
+          <a:solidFill>
+            <a:srgbClr val="FFFFFF">
+              <a:shade val="85000"/>
+            </a:srgbClr>
+          </a:solidFill>
+          <a:ln>
+            <a:noFill/>
+          </a:ln>
+          <a:effectLst>
+            <a:reflection blurRad="12700" stA="38000" endPos="28000" dist="5000" dir="5400000" sy="-100000" algn="bl" rotWithShape="0"/>
+          </a:effectLst>
+        </p:spPr>
+      </p:pic>
+    </p:spTree>
+    <p:extLst>
+      <p:ext uri="{BB962C8B-B14F-4D97-AF65-F5344CB8AC3E}">
+        <p14:creationId xmlns:p14="http://schemas.microsoft.com/office/powerpoint/2010/main" val="4006968575"/>
+      </p:ext>
+    </p:extLst>
+  </p:cSld>
+  <p:clrMapOvr>
+    <a:masterClrMapping/>
+  </p:clrMapOvr>
+  <mc:AlternateContent xmlns:mc="http://schemas.openxmlformats.org/markup-compatibility/2006" xmlns:p14="http://schemas.microsoft.com/office/powerpoint/2010/main">
+    <mc:Choice Requires="p14">
+      <p:transition spd="slow" p14:dur="2000"/>
+    </mc:Choice>
+    <mc:Fallback xmlns="">
+      <p:transition spd="slow"/>
+    </mc:Fallback>
+  </mc:AlternateContent>
+</p:sld>
+</file>
+
 <file path=ppt/slides/slide2.xml><?xml version="1.0" encoding="utf-8"?>
 <p:sld xmlns:a="http://schemas.openxmlformats.org/drawingml/2006/main" xmlns:r="http://schemas.openxmlformats.org/officeDocument/2006/relationships" xmlns:p="http://schemas.openxmlformats.org/presentationml/2006/main">
   <p:cSld>
